--- a/TravelTide Loyalty Program Presentation.pptx
+++ b/TravelTide Loyalty Program Presentation.pptx
@@ -11758,8 +11758,8 @@
         </p:blipFill>
         <p:spPr>
           <a:xfrm>
-            <a:off x="431800" y="1400550"/>
-            <a:ext cx="435250" cy="455650"/>
+            <a:off x="431800" y="1485625"/>
+            <a:ext cx="534125" cy="572700"/>
           </a:xfrm>
           <a:prstGeom prst="rect">
             <a:avLst/>
@@ -11848,7 +11848,11 @@
                   <a:srgbClr val="000000"/>
                 </a:solidFill>
               </a:rPr>
-              <a:t> , </a:t>
+              <a:t> </a:t>
+            </a:r>
+            <a:r>
+              <a:rPr lang="en" sz="1500"/>
+              <a:t> </a:t>
             </a:r>
             <a:r>
               <a:rPr lang="en" sz="1500" u="sng">
@@ -11865,7 +11869,7 @@
                   <a:srgbClr val="000000"/>
                 </a:solidFill>
               </a:rPr>
-              <a:t>  , </a:t>
+              <a:t>   </a:t>
             </a:r>
             <a:r>
               <a:rPr lang="en" sz="1500" u="sng">
@@ -11917,6 +11921,10 @@
               <a:buNone/>
             </a:pPr>
             <a:r>
+              <a:rPr lang="en" sz="1500"/>
+              <a:t> </a:t>
+            </a:r>
+            <a:r>
               <a:rPr lang="en" sz="1500" u="none">
                 <a:solidFill>
                   <a:srgbClr val="000000"/>
@@ -11926,18 +11934,6 @@
             </a:r>
             <a:r>
               <a:rPr i="0" lang="en" sz="1500" u="none" cap="none" strike="noStrike">
-                <a:solidFill>
-                  <a:srgbClr val="000000"/>
-                </a:solidFill>
-                <a:latin typeface="Poppins Medium"/>
-                <a:ea typeface="Poppins Medium"/>
-                <a:cs typeface="Poppins Medium"/>
-                <a:sym typeface="Poppins Medium"/>
-              </a:rPr>
-              <a:t> ,</a:t>
-            </a:r>
-            <a:r>
-              <a:rPr b="0" i="0" lang="en" sz="1500" u="none" cap="none" strike="noStrike">
                 <a:solidFill>
                   <a:srgbClr val="000000"/>
                 </a:solidFill>
@@ -11949,16 +11945,7 @@
               <a:t> </a:t>
             </a:r>
             <a:r>
-              <a:rPr lang="en" sz="1300" u="sng">
-                <a:solidFill>
-                  <a:schemeClr val="hlink"/>
-                </a:solidFill>
-                <a:hlinkClick r:id="rId9"/>
-              </a:rPr>
-              <a:t>TravelTide ERD</a:t>
-            </a:r>
-            <a:br>
-              <a:rPr b="0" i="0" lang="en" sz="1300" u="none" cap="none" strike="noStrike">
+              <a:rPr b="0" i="0" lang="en" sz="1500" u="none" cap="none" strike="noStrike">
                 <a:solidFill>
                   <a:srgbClr val="000000"/>
                 </a:solidFill>
@@ -11967,29 +11954,38 @@
                 <a:cs typeface="Poppins Medium"/>
                 <a:sym typeface="Poppins Medium"/>
               </a:rPr>
-            </a:br>
-            <a:br>
-              <a:rPr b="0" i="0" lang="en" sz="1300" u="none" cap="none" strike="noStrike">
-                <a:solidFill>
-                  <a:srgbClr val="000000"/>
-                </a:solidFill>
+              <a:t> </a:t>
+            </a:r>
+            <a:r>
+              <a:rPr lang="en" sz="1300" u="sng">
+                <a:solidFill>
+                  <a:schemeClr val="hlink"/>
+                </a:solidFill>
+                <a:hlinkClick r:id="rId9"/>
+              </a:rPr>
+              <a:t>TravelTide ERD</a:t>
+            </a:r>
+            <a:r>
+              <a:rPr lang="en" sz="1300">
                 <a:latin typeface="Poppins Medium"/>
                 <a:ea typeface="Poppins Medium"/>
                 <a:cs typeface="Poppins Medium"/>
                 <a:sym typeface="Poppins Medium"/>
               </a:rPr>
-            </a:br>
-            <a:r>
-              <a:rPr b="1" i="0" lang="en" sz="1300" u="none" cap="none" strike="noStrike">
-                <a:solidFill>
-                  <a:srgbClr val="000000"/>
-                </a:solidFill>
-                <a:latin typeface="Arial"/>
-                <a:ea typeface="Arial"/>
-                <a:cs typeface="Arial"/>
-                <a:sym typeface="Arial"/>
+              <a:t>  </a:t>
+            </a:r>
+            <a:r>
+              <a:rPr lang="en" sz="1300" u="sng">
+                <a:solidFill>
+                  <a:schemeClr val="hlink"/>
+                </a:solidFill>
+                <a:latin typeface="Poppins Medium"/>
+                <a:ea typeface="Poppins Medium"/>
+                <a:cs typeface="Poppins Medium"/>
+                <a:sym typeface="Poppins Medium"/>
+                <a:hlinkClick r:id="rId10"/>
               </a:rPr>
-              <a:t> </a:t>
+              <a:t>Github</a:t>
             </a:r>
             <a:endParaRPr b="0" i="0" sz="1500" u="none" cap="none" strike="noStrike">
               <a:solidFill>
@@ -12010,7 +12006,7 @@
           <p:nvPr/>
         </p:nvPicPr>
         <p:blipFill>
-          <a:blip r:embed="rId10">
+          <a:blip r:embed="rId11">
             <a:alphaModFix/>
           </a:blip>
           <a:stretch>
@@ -16033,8 +16029,8 @@
         </p:blipFill>
         <p:spPr>
           <a:xfrm>
-            <a:off x="608825" y="963200"/>
-            <a:ext cx="7841224" cy="3455301"/>
+            <a:off x="671800" y="963200"/>
+            <a:ext cx="7662776" cy="3455301"/>
           </a:xfrm>
           <a:prstGeom prst="rect">
             <a:avLst/>

--- a/TravelTide Loyalty Program Presentation.pptx
+++ b/TravelTide Loyalty Program Presentation.pptx
@@ -291,7 +291,7 @@
       </p15:sldGuideLst>
     </p:ext>
     <p:ext uri="GoogleSlidesCustomDataVersion2">
-      <go:slidesCustomData xmlns:go="http://customooxmlschemas.google.com/" r:id="rId30" roundtripDataSignature="AMtx7mgPzhPHZD/MUQnD4QtuvsKmYAzFKg=="/>
+      <go:slidesCustomData xmlns:go="http://customooxmlschemas.google.com/" r:id="rId30" roundtripDataSignature="AMtx7mh6Y2RBHmOwSaGRJylscniL7BKLjQ=="/>
     </p:ext>
   </p:extLst>
 </p:presentation>
@@ -13921,8 +13921,8 @@
         </p:blipFill>
         <p:spPr>
           <a:xfrm>
-            <a:off x="4572000" y="1283400"/>
-            <a:ext cx="4396002" cy="3135099"/>
+            <a:off x="4643900" y="944724"/>
+            <a:ext cx="4347698" cy="3473774"/>
           </a:xfrm>
           <a:prstGeom prst="rect">
             <a:avLst/>
@@ -14075,14 +14075,14 @@
               <a:buNone/>
             </a:pPr>
             <a:r>
-              <a:rPr b="1" lang="en" sz="7200" u="sng"/>
-              <a:t>Segment 0: </a:t>
-            </a:r>
-            <a:r>
-              <a:rPr b="1" lang="en" sz="7200" u="sng"/>
+              <a:rPr b="1" lang="en" sz="6400" u="sng"/>
+              <a:t>Flexible Flyers: </a:t>
+            </a:r>
+            <a:r>
+              <a:rPr b="1" lang="en" sz="6400" u="sng"/>
               <a:t>Free Cancellation Perk (3.6% Customers)</a:t>
             </a:r>
-            <a:endParaRPr b="1" sz="7200" u="sng"/>
+            <a:endParaRPr b="1" sz="6400" u="sng"/>
           </a:p>
           <a:p>
             <a:pPr indent="-317500" lvl="0" marL="457200" rtl="0" algn="l">
@@ -14328,14 +14328,14 @@
               <a:buNone/>
             </a:pPr>
             <a:r>
-              <a:rPr b="1" lang="en" sz="7200" u="sng"/>
-              <a:t>Segment 1: Exclusive Discounts Perk </a:t>
-            </a:r>
-            <a:r>
-              <a:rPr b="1" lang="en" sz="7200" u="sng"/>
+              <a:rPr b="1" lang="en" sz="6400" u="sng"/>
+              <a:t>Bargain Hunters: Exclusive Discounts Perk </a:t>
+            </a:r>
+            <a:r>
+              <a:rPr b="1" lang="en" sz="6400" u="sng"/>
               <a:t>(14.8% Customers)</a:t>
             </a:r>
-            <a:endParaRPr b="1" sz="7200" u="sng"/>
+            <a:endParaRPr b="1" sz="6400" u="sng"/>
           </a:p>
           <a:p>
             <a:pPr indent="-317500" lvl="0" marL="457200" rtl="0" algn="l">
@@ -14672,14 +14672,18 @@
               <a:buNone/>
             </a:pPr>
             <a:r>
-              <a:rPr b="1" lang="en" sz="7200" u="sng"/>
-              <a:t>Segment 2: Free Hotel Night With Flight </a:t>
-            </a:r>
-            <a:r>
-              <a:rPr b="1" lang="en" sz="7200" u="sng"/>
+              <a:rPr b="1" lang="en" sz="6400" u="sng"/>
+              <a:t>Elite Travellers</a:t>
+            </a:r>
+            <a:r>
+              <a:rPr b="1" lang="en" sz="6400" u="sng"/>
+              <a:t>: Free Hotel Night With Flight </a:t>
+            </a:r>
+            <a:r>
+              <a:rPr b="1" lang="en" sz="6400" u="sng"/>
               <a:t>(25.54% Customers)</a:t>
             </a:r>
-            <a:endParaRPr b="1" sz="7200" u="sng"/>
+            <a:endParaRPr b="1" sz="6400" u="sng"/>
           </a:p>
           <a:p>
             <a:pPr indent="-317500" lvl="0" marL="457200" rtl="0" algn="l">
@@ -14972,14 +14976,18 @@
               <a:buNone/>
             </a:pPr>
             <a:r>
-              <a:rPr b="1" lang="en" sz="7200" u="sng"/>
-              <a:t>Segment 3: Free Checked Bag </a:t>
-            </a:r>
-            <a:r>
-              <a:rPr b="1" lang="en" sz="7200" u="sng"/>
+              <a:rPr b="1" lang="en" sz="6400" u="sng"/>
+              <a:t>Family Travellers</a:t>
+            </a:r>
+            <a:r>
+              <a:rPr b="1" lang="en" sz="6400" u="sng"/>
+              <a:t>: Free Checked Bag </a:t>
+            </a:r>
+            <a:r>
+              <a:rPr b="1" lang="en" sz="6400" u="sng"/>
               <a:t>(20.24% Customers)</a:t>
             </a:r>
-            <a:endParaRPr b="1" sz="7200" u="sng"/>
+            <a:endParaRPr b="1" sz="6400" u="sng"/>
           </a:p>
           <a:p>
             <a:pPr indent="-317500" lvl="0" marL="457200" rtl="0" algn="l">
@@ -15351,7 +15359,7 @@
         <p:spPr>
           <a:xfrm>
             <a:off x="2137100" y="797500"/>
-            <a:ext cx="6743400" cy="2125500"/>
+            <a:ext cx="6743400" cy="2194200"/>
           </a:xfrm>
           <a:prstGeom prst="rect">
             <a:avLst/>
@@ -15398,14 +15406,18 @@
               <a:buNone/>
             </a:pPr>
             <a:r>
-              <a:rPr b="1" lang="en" sz="7200" u="sng"/>
-              <a:t>Segment 4: Free Hotel Meal </a:t>
-            </a:r>
-            <a:r>
-              <a:rPr b="1" lang="en" sz="7200" u="sng"/>
+              <a:rPr b="1" lang="en" sz="6400" u="sng"/>
+              <a:t>Dreamers &amp; Budget Travellers</a:t>
+            </a:r>
+            <a:r>
+              <a:rPr b="1" lang="en" sz="6400" u="sng"/>
+              <a:t>: Free Hotel Meal </a:t>
+            </a:r>
+            <a:r>
+              <a:rPr b="1" lang="en" sz="6400" u="sng"/>
               <a:t>(35.81% Customers)</a:t>
             </a:r>
-            <a:endParaRPr b="1" sz="7200" u="sng"/>
+            <a:endParaRPr b="1" sz="6400" u="sng"/>
           </a:p>
           <a:p>
             <a:pPr indent="-317500" lvl="0" marL="457200" rtl="0" algn="l">
@@ -15484,6 +15496,34 @@
                 </a:solidFill>
               </a:rPr>
               <a:t>Mean Total Dollars Spent 1051.54- Low overall spending</a:t>
+            </a:r>
+            <a:endParaRPr sz="5600">
+              <a:solidFill>
+                <a:schemeClr val="dk1"/>
+              </a:solidFill>
+            </a:endParaRPr>
+          </a:p>
+          <a:p>
+            <a:pPr indent="-317500" lvl="0" marL="457200" rtl="0" algn="l">
+              <a:spcBef>
+                <a:spcPts val="0"/>
+              </a:spcBef>
+              <a:spcAft>
+                <a:spcPts val="0"/>
+              </a:spcAft>
+              <a:buClr>
+                <a:schemeClr val="dk1"/>
+              </a:buClr>
+              <a:buSzPct val="100000"/>
+              <a:buChar char="●"/>
+            </a:pPr>
+            <a:r>
+              <a:rPr lang="en" sz="5600">
+                <a:solidFill>
+                  <a:schemeClr val="dk1"/>
+                </a:solidFill>
+              </a:rPr>
+              <a:t>Roughly about 9% of customers who are active but not booked yet with TT.</a:t>
             </a:r>
             <a:endParaRPr sz="5600">
               <a:solidFill>
@@ -16050,6 +16090,285 @@
 </file>
 
 <file path=ppt/theme/theme1.xml><?xml version="1.0" encoding="utf-8"?>
+<a:theme xmlns:a="http://schemas.openxmlformats.org/drawingml/2006/main" xmlns:r="http://schemas.openxmlformats.org/officeDocument/2006/relationships">
+  <a:themeElements>
+    <a:clrScheme name="Default">
+      <a:dk1>
+        <a:srgbClr val="000000"/>
+      </a:dk1>
+      <a:lt1>
+        <a:srgbClr val="FFFFFF"/>
+      </a:lt1>
+      <a:dk2>
+        <a:srgbClr val="158158"/>
+      </a:dk2>
+      <a:lt2>
+        <a:srgbClr val="F3F3F3"/>
+      </a:lt2>
+      <a:accent1>
+        <a:srgbClr val="058DC7"/>
+      </a:accent1>
+      <a:accent2>
+        <a:srgbClr val="50B432"/>
+      </a:accent2>
+      <a:accent3>
+        <a:srgbClr val="ED561B"/>
+      </a:accent3>
+      <a:accent4>
+        <a:srgbClr val="EDEF00"/>
+      </a:accent4>
+      <a:accent5>
+        <a:srgbClr val="24CBE5"/>
+      </a:accent5>
+      <a:accent6>
+        <a:srgbClr val="64E572"/>
+      </a:accent6>
+      <a:hlink>
+        <a:srgbClr val="2200CC"/>
+      </a:hlink>
+      <a:folHlink>
+        <a:srgbClr val="551A8B"/>
+      </a:folHlink>
+    </a:clrScheme>
+    <a:fontScheme name="Office">
+      <a:majorFont>
+        <a:latin typeface="Arial"/>
+        <a:ea typeface=""/>
+        <a:cs typeface=""/>
+        <a:font script="Jpan" typeface="ＭＳ Ｐゴシック"/>
+        <a:font script="Hang" typeface="맑은 고딕"/>
+        <a:font script="Hans" typeface="宋体"/>
+        <a:font script="Hant" typeface="新細明體"/>
+        <a:font script="Arab" typeface="Times New Roman"/>
+        <a:font script="Hebr" typeface="Times New Roman"/>
+        <a:font script="Thai" typeface="Angsana New"/>
+        <a:font script="Ethi" typeface="Nyala"/>
+        <a:font script="Beng" typeface="Vrinda"/>
+        <a:font script="Gujr" typeface="Shruti"/>
+        <a:font script="Khmr" typeface="MoolBoran"/>
+        <a:font script="Knda" typeface="Tunga"/>
+        <a:font script="Guru" typeface="Raavi"/>
+        <a:font script="Cans" typeface="Euphemia"/>
+        <a:font script="Cher" typeface="Plantagenet Cherokee"/>
+        <a:font script="Yiii" typeface="Microsoft Yi Baiti"/>
+        <a:font script="Tibt" typeface="Microsoft Himalaya"/>
+        <a:font script="Thaa" typeface="MV Boli"/>
+        <a:font script="Deva" typeface="Mangal"/>
+        <a:font script="Telu" typeface="Gautami"/>
+        <a:font script="Taml" typeface="Latha"/>
+        <a:font script="Syrc" typeface="Estrangelo Edessa"/>
+        <a:font script="Orya" typeface="Kalinga"/>
+        <a:font script="Mlym" typeface="Kartika"/>
+        <a:font script="Laoo" typeface="DokChampa"/>
+        <a:font script="Sinh" typeface="Iskoola Pota"/>
+        <a:font script="Mong" typeface="Mongolian Baiti"/>
+        <a:font script="Viet" typeface="Times New Roman"/>
+        <a:font script="Uigh" typeface="Microsoft Uighur"/>
+        <a:font script="Geor" typeface="Sylfaen"/>
+      </a:majorFont>
+      <a:minorFont>
+        <a:latin typeface="Arial"/>
+        <a:ea typeface=""/>
+        <a:cs typeface=""/>
+        <a:font script="Jpan" typeface="ＭＳ Ｐゴシック"/>
+        <a:font script="Hang" typeface="맑은 고딕"/>
+        <a:font script="Hans" typeface="宋体"/>
+        <a:font script="Hant" typeface="新細明體"/>
+        <a:font script="Arab" typeface="Arial"/>
+        <a:font script="Hebr" typeface="Arial"/>
+        <a:font script="Thai" typeface="Cordia New"/>
+        <a:font script="Ethi" typeface="Nyala"/>
+        <a:font script="Beng" typeface="Vrinda"/>
+        <a:font script="Gujr" typeface="Shruti"/>
+        <a:font script="Khmr" typeface="DaunPenh"/>
+        <a:font script="Knda" typeface="Tunga"/>
+        <a:font script="Guru" typeface="Raavi"/>
+        <a:font script="Cans" typeface="Euphemia"/>
+        <a:font script="Cher" typeface="Plantagenet Cherokee"/>
+        <a:font script="Yiii" typeface="Microsoft Yi Baiti"/>
+        <a:font script="Tibt" typeface="Microsoft Himalaya"/>
+        <a:font script="Thaa" typeface="MV Boli"/>
+        <a:font script="Deva" typeface="Mangal"/>
+        <a:font script="Telu" typeface="Gautami"/>
+        <a:font script="Taml" typeface="Latha"/>
+        <a:font script="Syrc" typeface="Estrangelo Edessa"/>
+        <a:font script="Orya" typeface="Kalinga"/>
+        <a:font script="Mlym" typeface="Kartika"/>
+        <a:font script="Laoo" typeface="DokChampa"/>
+        <a:font script="Sinh" typeface="Iskoola Pota"/>
+        <a:font script="Mong" typeface="Mongolian Baiti"/>
+        <a:font script="Viet" typeface="Arial"/>
+        <a:font script="Uigh" typeface="Microsoft Uighur"/>
+        <a:font script="Geor" typeface="Sylfaen"/>
+      </a:minorFont>
+    </a:fontScheme>
+    <a:fmtScheme name="Office">
+      <a:fillStyleLst>
+        <a:solidFill>
+          <a:schemeClr val="phClr"/>
+        </a:solidFill>
+        <a:gradFill rotWithShape="1">
+          <a:gsLst>
+            <a:gs pos="0">
+              <a:schemeClr val="phClr">
+                <a:tint val="50000"/>
+                <a:satMod val="300000"/>
+              </a:schemeClr>
+            </a:gs>
+            <a:gs pos="35000">
+              <a:schemeClr val="phClr">
+                <a:tint val="37000"/>
+                <a:satMod val="300000"/>
+              </a:schemeClr>
+            </a:gs>
+            <a:gs pos="100000">
+              <a:schemeClr val="phClr">
+                <a:tint val="15000"/>
+                <a:satMod val="350000"/>
+              </a:schemeClr>
+            </a:gs>
+          </a:gsLst>
+          <a:lin ang="16200000" scaled="1"/>
+        </a:gradFill>
+        <a:gradFill rotWithShape="1">
+          <a:gsLst>
+            <a:gs pos="0">
+              <a:schemeClr val="phClr">
+                <a:tint val="100000"/>
+                <a:shade val="100000"/>
+                <a:satMod val="130000"/>
+              </a:schemeClr>
+            </a:gs>
+            <a:gs pos="100000">
+              <a:schemeClr val="phClr">
+                <a:tint val="50000"/>
+                <a:shade val="100000"/>
+                <a:satMod val="350000"/>
+              </a:schemeClr>
+            </a:gs>
+          </a:gsLst>
+          <a:lin ang="16200000" scaled="0"/>
+        </a:gradFill>
+      </a:fillStyleLst>
+      <a:lnStyleLst>
+        <a:ln w="9525" cap="flat" cmpd="sng" algn="ctr">
+          <a:solidFill>
+            <a:schemeClr val="phClr">
+              <a:shade val="95000"/>
+              <a:satMod val="105000"/>
+            </a:schemeClr>
+          </a:solidFill>
+          <a:prstDash val="solid"/>
+        </a:ln>
+        <a:ln w="25400" cap="flat" cmpd="sng" algn="ctr">
+          <a:solidFill>
+            <a:schemeClr val="phClr"/>
+          </a:solidFill>
+          <a:prstDash val="solid"/>
+        </a:ln>
+        <a:ln w="38100" cap="flat" cmpd="sng" algn="ctr">
+          <a:solidFill>
+            <a:schemeClr val="phClr"/>
+          </a:solidFill>
+          <a:prstDash val="solid"/>
+        </a:ln>
+      </a:lnStyleLst>
+      <a:effectStyleLst>
+        <a:effectStyle>
+          <a:effectLst>
+            <a:outerShdw blurRad="40000" dist="20000" dir="5400000" rotWithShape="0">
+              <a:srgbClr val="000000">
+                <a:alpha val="38000"/>
+              </a:srgbClr>
+            </a:outerShdw>
+          </a:effectLst>
+        </a:effectStyle>
+        <a:effectStyle>
+          <a:effectLst>
+            <a:outerShdw blurRad="40000" dist="23000" dir="5400000" rotWithShape="0">
+              <a:srgbClr val="000000">
+                <a:alpha val="35000"/>
+              </a:srgbClr>
+            </a:outerShdw>
+          </a:effectLst>
+        </a:effectStyle>
+        <a:effectStyle>
+          <a:effectLst>
+            <a:outerShdw blurRad="40000" dist="23000" dir="5400000" rotWithShape="0">
+              <a:srgbClr val="000000">
+                <a:alpha val="35000"/>
+              </a:srgbClr>
+            </a:outerShdw>
+          </a:effectLst>
+          <a:scene3d>
+            <a:camera prst="orthographicFront">
+              <a:rot lat="0" lon="0" rev="0"/>
+            </a:camera>
+            <a:lightRig rig="threePt" dir="t">
+              <a:rot lat="0" lon="0" rev="1200000"/>
+            </a:lightRig>
+          </a:scene3d>
+          <a:sp3d>
+            <a:bevelT w="63500" h="25400"/>
+          </a:sp3d>
+        </a:effectStyle>
+      </a:effectStyleLst>
+      <a:bgFillStyleLst>
+        <a:solidFill>
+          <a:schemeClr val="phClr"/>
+        </a:solidFill>
+        <a:gradFill rotWithShape="1">
+          <a:gsLst>
+            <a:gs pos="0">
+              <a:schemeClr val="phClr">
+                <a:tint val="40000"/>
+                <a:satMod val="350000"/>
+              </a:schemeClr>
+            </a:gs>
+            <a:gs pos="40000">
+              <a:schemeClr val="phClr">
+                <a:tint val="45000"/>
+                <a:shade val="99000"/>
+                <a:satMod val="350000"/>
+              </a:schemeClr>
+            </a:gs>
+            <a:gs pos="100000">
+              <a:schemeClr val="phClr">
+                <a:shade val="20000"/>
+                <a:satMod val="255000"/>
+              </a:schemeClr>
+            </a:gs>
+          </a:gsLst>
+          <a:path path="circle">
+            <a:fillToRect l="50000" t="-80000" r="50000" b="180000"/>
+          </a:path>
+        </a:gradFill>
+        <a:gradFill rotWithShape="1">
+          <a:gsLst>
+            <a:gs pos="0">
+              <a:schemeClr val="phClr">
+                <a:tint val="80000"/>
+                <a:satMod val="300000"/>
+              </a:schemeClr>
+            </a:gs>
+            <a:gs pos="100000">
+              <a:schemeClr val="phClr">
+                <a:shade val="30000"/>
+                <a:satMod val="200000"/>
+              </a:schemeClr>
+            </a:gs>
+          </a:gsLst>
+          <a:path path="circle">
+            <a:fillToRect l="50000" t="50000" r="50000" b="50000"/>
+          </a:path>
+        </a:gradFill>
+      </a:bgFillStyleLst>
+    </a:fmtScheme>
+  </a:themeElements>
+</a:theme>
+</file>
+
+<file path=ppt/theme/theme2.xml><?xml version="1.0" encoding="utf-8"?>
 <a:theme xmlns:a="http://schemas.openxmlformats.org/drawingml/2006/main" xmlns:r="http://schemas.openxmlformats.org/officeDocument/2006/relationships" name="Simple Light">
   <a:themeElements>
     <a:clrScheme name="Simple Light">
@@ -16326,283 +16645,4 @@
     </a:fmtScheme>
   </a:themeElements>
 </a:theme>
-</file>
-
-<file path=ppt/theme/theme2.xml><?xml version="1.0" encoding="utf-8"?>
-<a:theme xmlns:a="http://schemas.openxmlformats.org/drawingml/2006/main" xmlns:r="http://schemas.openxmlformats.org/officeDocument/2006/relationships">
-  <a:themeElements>
-    <a:clrScheme name="Default">
-      <a:dk1>
-        <a:srgbClr val="000000"/>
-      </a:dk1>
-      <a:lt1>
-        <a:srgbClr val="FFFFFF"/>
-      </a:lt1>
-      <a:dk2>
-        <a:srgbClr val="158158"/>
-      </a:dk2>
-      <a:lt2>
-        <a:srgbClr val="F3F3F3"/>
-      </a:lt2>
-      <a:accent1>
-        <a:srgbClr val="058DC7"/>
-      </a:accent1>
-      <a:accent2>
-        <a:srgbClr val="50B432"/>
-      </a:accent2>
-      <a:accent3>
-        <a:srgbClr val="ED561B"/>
-      </a:accent3>
-      <a:accent4>
-        <a:srgbClr val="EDEF00"/>
-      </a:accent4>
-      <a:accent5>
-        <a:srgbClr val="24CBE5"/>
-      </a:accent5>
-      <a:accent6>
-        <a:srgbClr val="64E572"/>
-      </a:accent6>
-      <a:hlink>
-        <a:srgbClr val="2200CC"/>
-      </a:hlink>
-      <a:folHlink>
-        <a:srgbClr val="551A8B"/>
-      </a:folHlink>
-    </a:clrScheme>
-    <a:fontScheme name="Office">
-      <a:majorFont>
-        <a:latin typeface="Arial"/>
-        <a:ea typeface=""/>
-        <a:cs typeface=""/>
-        <a:font script="Jpan" typeface="ＭＳ Ｐゴシック"/>
-        <a:font script="Hang" typeface="맑은 고딕"/>
-        <a:font script="Hans" typeface="宋体"/>
-        <a:font script="Hant" typeface="新細明體"/>
-        <a:font script="Arab" typeface="Times New Roman"/>
-        <a:font script="Hebr" typeface="Times New Roman"/>
-        <a:font script="Thai" typeface="Angsana New"/>
-        <a:font script="Ethi" typeface="Nyala"/>
-        <a:font script="Beng" typeface="Vrinda"/>
-        <a:font script="Gujr" typeface="Shruti"/>
-        <a:font script="Khmr" typeface="MoolBoran"/>
-        <a:font script="Knda" typeface="Tunga"/>
-        <a:font script="Guru" typeface="Raavi"/>
-        <a:font script="Cans" typeface="Euphemia"/>
-        <a:font script="Cher" typeface="Plantagenet Cherokee"/>
-        <a:font script="Yiii" typeface="Microsoft Yi Baiti"/>
-        <a:font script="Tibt" typeface="Microsoft Himalaya"/>
-        <a:font script="Thaa" typeface="MV Boli"/>
-        <a:font script="Deva" typeface="Mangal"/>
-        <a:font script="Telu" typeface="Gautami"/>
-        <a:font script="Taml" typeface="Latha"/>
-        <a:font script="Syrc" typeface="Estrangelo Edessa"/>
-        <a:font script="Orya" typeface="Kalinga"/>
-        <a:font script="Mlym" typeface="Kartika"/>
-        <a:font script="Laoo" typeface="DokChampa"/>
-        <a:font script="Sinh" typeface="Iskoola Pota"/>
-        <a:font script="Mong" typeface="Mongolian Baiti"/>
-        <a:font script="Viet" typeface="Times New Roman"/>
-        <a:font script="Uigh" typeface="Microsoft Uighur"/>
-        <a:font script="Geor" typeface="Sylfaen"/>
-      </a:majorFont>
-      <a:minorFont>
-        <a:latin typeface="Arial"/>
-        <a:ea typeface=""/>
-        <a:cs typeface=""/>
-        <a:font script="Jpan" typeface="ＭＳ Ｐゴシック"/>
-        <a:font script="Hang" typeface="맑은 고딕"/>
-        <a:font script="Hans" typeface="宋体"/>
-        <a:font script="Hant" typeface="新細明體"/>
-        <a:font script="Arab" typeface="Arial"/>
-        <a:font script="Hebr" typeface="Arial"/>
-        <a:font script="Thai" typeface="Cordia New"/>
-        <a:font script="Ethi" typeface="Nyala"/>
-        <a:font script="Beng" typeface="Vrinda"/>
-        <a:font script="Gujr" typeface="Shruti"/>
-        <a:font script="Khmr" typeface="DaunPenh"/>
-        <a:font script="Knda" typeface="Tunga"/>
-        <a:font script="Guru" typeface="Raavi"/>
-        <a:font script="Cans" typeface="Euphemia"/>
-        <a:font script="Cher" typeface="Plantagenet Cherokee"/>
-        <a:font script="Yiii" typeface="Microsoft Yi Baiti"/>
-        <a:font script="Tibt" typeface="Microsoft Himalaya"/>
-        <a:font script="Thaa" typeface="MV Boli"/>
-        <a:font script="Deva" typeface="Mangal"/>
-        <a:font script="Telu" typeface="Gautami"/>
-        <a:font script="Taml" typeface="Latha"/>
-        <a:font script="Syrc" typeface="Estrangelo Edessa"/>
-        <a:font script="Orya" typeface="Kalinga"/>
-        <a:font script="Mlym" typeface="Kartika"/>
-        <a:font script="Laoo" typeface="DokChampa"/>
-        <a:font script="Sinh" typeface="Iskoola Pota"/>
-        <a:font script="Mong" typeface="Mongolian Baiti"/>
-        <a:font script="Viet" typeface="Arial"/>
-        <a:font script="Uigh" typeface="Microsoft Uighur"/>
-        <a:font script="Geor" typeface="Sylfaen"/>
-      </a:minorFont>
-    </a:fontScheme>
-    <a:fmtScheme name="Office">
-      <a:fillStyleLst>
-        <a:solidFill>
-          <a:schemeClr val="phClr"/>
-        </a:solidFill>
-        <a:gradFill rotWithShape="1">
-          <a:gsLst>
-            <a:gs pos="0">
-              <a:schemeClr val="phClr">
-                <a:tint val="50000"/>
-                <a:satMod val="300000"/>
-              </a:schemeClr>
-            </a:gs>
-            <a:gs pos="35000">
-              <a:schemeClr val="phClr">
-                <a:tint val="37000"/>
-                <a:satMod val="300000"/>
-              </a:schemeClr>
-            </a:gs>
-            <a:gs pos="100000">
-              <a:schemeClr val="phClr">
-                <a:tint val="15000"/>
-                <a:satMod val="350000"/>
-              </a:schemeClr>
-            </a:gs>
-          </a:gsLst>
-          <a:lin ang="16200000" scaled="1"/>
-        </a:gradFill>
-        <a:gradFill rotWithShape="1">
-          <a:gsLst>
-            <a:gs pos="0">
-              <a:schemeClr val="phClr">
-                <a:tint val="100000"/>
-                <a:shade val="100000"/>
-                <a:satMod val="130000"/>
-              </a:schemeClr>
-            </a:gs>
-            <a:gs pos="100000">
-              <a:schemeClr val="phClr">
-                <a:tint val="50000"/>
-                <a:shade val="100000"/>
-                <a:satMod val="350000"/>
-              </a:schemeClr>
-            </a:gs>
-          </a:gsLst>
-          <a:lin ang="16200000" scaled="0"/>
-        </a:gradFill>
-      </a:fillStyleLst>
-      <a:lnStyleLst>
-        <a:ln w="9525" cap="flat" cmpd="sng" algn="ctr">
-          <a:solidFill>
-            <a:schemeClr val="phClr">
-              <a:shade val="95000"/>
-              <a:satMod val="105000"/>
-            </a:schemeClr>
-          </a:solidFill>
-          <a:prstDash val="solid"/>
-        </a:ln>
-        <a:ln w="25400" cap="flat" cmpd="sng" algn="ctr">
-          <a:solidFill>
-            <a:schemeClr val="phClr"/>
-          </a:solidFill>
-          <a:prstDash val="solid"/>
-        </a:ln>
-        <a:ln w="38100" cap="flat" cmpd="sng" algn="ctr">
-          <a:solidFill>
-            <a:schemeClr val="phClr"/>
-          </a:solidFill>
-          <a:prstDash val="solid"/>
-        </a:ln>
-      </a:lnStyleLst>
-      <a:effectStyleLst>
-        <a:effectStyle>
-          <a:effectLst>
-            <a:outerShdw blurRad="40000" dist="20000" dir="5400000" rotWithShape="0">
-              <a:srgbClr val="000000">
-                <a:alpha val="38000"/>
-              </a:srgbClr>
-            </a:outerShdw>
-          </a:effectLst>
-        </a:effectStyle>
-        <a:effectStyle>
-          <a:effectLst>
-            <a:outerShdw blurRad="40000" dist="23000" dir="5400000" rotWithShape="0">
-              <a:srgbClr val="000000">
-                <a:alpha val="35000"/>
-              </a:srgbClr>
-            </a:outerShdw>
-          </a:effectLst>
-        </a:effectStyle>
-        <a:effectStyle>
-          <a:effectLst>
-            <a:outerShdw blurRad="40000" dist="23000" dir="5400000" rotWithShape="0">
-              <a:srgbClr val="000000">
-                <a:alpha val="35000"/>
-              </a:srgbClr>
-            </a:outerShdw>
-          </a:effectLst>
-          <a:scene3d>
-            <a:camera prst="orthographicFront">
-              <a:rot lat="0" lon="0" rev="0"/>
-            </a:camera>
-            <a:lightRig rig="threePt" dir="t">
-              <a:rot lat="0" lon="0" rev="1200000"/>
-            </a:lightRig>
-          </a:scene3d>
-          <a:sp3d>
-            <a:bevelT w="63500" h="25400"/>
-          </a:sp3d>
-        </a:effectStyle>
-      </a:effectStyleLst>
-      <a:bgFillStyleLst>
-        <a:solidFill>
-          <a:schemeClr val="phClr"/>
-        </a:solidFill>
-        <a:gradFill rotWithShape="1">
-          <a:gsLst>
-            <a:gs pos="0">
-              <a:schemeClr val="phClr">
-                <a:tint val="40000"/>
-                <a:satMod val="350000"/>
-              </a:schemeClr>
-            </a:gs>
-            <a:gs pos="40000">
-              <a:schemeClr val="phClr">
-                <a:tint val="45000"/>
-                <a:shade val="99000"/>
-                <a:satMod val="350000"/>
-              </a:schemeClr>
-            </a:gs>
-            <a:gs pos="100000">
-              <a:schemeClr val="phClr">
-                <a:shade val="20000"/>
-                <a:satMod val="255000"/>
-              </a:schemeClr>
-            </a:gs>
-          </a:gsLst>
-          <a:path path="circle">
-            <a:fillToRect l="50000" t="-80000" r="50000" b="180000"/>
-          </a:path>
-        </a:gradFill>
-        <a:gradFill rotWithShape="1">
-          <a:gsLst>
-            <a:gs pos="0">
-              <a:schemeClr val="phClr">
-                <a:tint val="80000"/>
-                <a:satMod val="300000"/>
-              </a:schemeClr>
-            </a:gs>
-            <a:gs pos="100000">
-              <a:schemeClr val="phClr">
-                <a:shade val="30000"/>
-                <a:satMod val="200000"/>
-              </a:schemeClr>
-            </a:gs>
-          </a:gsLst>
-          <a:path path="circle">
-            <a:fillToRect l="50000" t="50000" r="50000" b="50000"/>
-          </a:path>
-        </a:gradFill>
-      </a:bgFillStyleLst>
-    </a:fmtScheme>
-  </a:themeElements>
-</a:theme>
 </file>
--- a/TravelTide Loyalty Program Presentation.pptx
+++ b/TravelTide Loyalty Program Presentation.pptx
@@ -11422,7 +11422,7 @@
                 <a:spcPts val="0"/>
               </a:spcAft>
               <a:buClr>
-                <a:schemeClr val="dk1"/>
+                <a:srgbClr val="1155CC"/>
               </a:buClr>
               <a:buSzPts val="1400"/>
               <a:buChar char="●"/>
@@ -11430,14 +11430,14 @@
             <a:r>
               <a:rPr b="1" lang="en" sz="1400">
                 <a:solidFill>
-                  <a:schemeClr val="dk1"/>
+                  <a:srgbClr val="1155CC"/>
                 </a:solidFill>
               </a:rPr>
               <a:t>It's essential to note that user preferences may evolve over time. Therefore, we recommend regularly reviewing of analysis to adapt to changing user behavior and market dynamics.</a:t>
             </a:r>
             <a:endParaRPr b="1" sz="1400">
               <a:solidFill>
-                <a:schemeClr val="dk1"/>
+                <a:srgbClr val="1155CC"/>
               </a:solidFill>
             </a:endParaRPr>
           </a:p>
@@ -11825,13 +11825,17 @@
               <a:t>Project Links:   </a:t>
             </a:r>
             <a:r>
-              <a:rPr i="0" lang="en" sz="1500" u="sng" cap="none" strike="noStrike">
+              <a:rPr lang="en" sz="1500" u="sng">
                 <a:solidFill>
                   <a:schemeClr val="hlink"/>
                 </a:solidFill>
                 <a:hlinkClick r:id="rId5"/>
               </a:rPr>
-              <a:t>Project</a:t>
+              <a:t>Project-Deliverables</a:t>
+            </a:r>
+            <a:r>
+              <a:rPr lang="en" sz="1500"/>
+              <a:t> </a:t>
             </a:r>
             <a:r>
               <a:rPr lang="en" sz="1500" u="sng">
@@ -11840,13 +11844,14 @@
                 </a:solidFill>
                 <a:hlinkClick r:id="rId6"/>
               </a:rPr>
-              <a:t>-Analysis</a:t>
-            </a:r>
-            <a:r>
-              <a:rPr i="0" lang="en" sz="1500" u="none" cap="none" strike="noStrike">
-                <a:solidFill>
-                  <a:srgbClr val="000000"/>
-                </a:solidFill>
+              <a:t>Colab</a:t>
+            </a:r>
+            <a:r>
+              <a:rPr i="0" lang="en" sz="1500" u="sng" cap="none" strike="noStrike">
+                <a:solidFill>
+                  <a:schemeClr val="hlink"/>
+                </a:solidFill>
+                <a:hlinkClick r:id="rId7"/>
               </a:rPr>
               <a:t> </a:t>
             </a:r>
@@ -11859,7 +11864,7 @@
                 <a:solidFill>
                   <a:schemeClr val="hlink"/>
                 </a:solidFill>
-                <a:hlinkClick r:id="rId7"/>
+                <a:hlinkClick r:id="rId8"/>
               </a:rPr>
               <a:t>Spreadsheet</a:t>
             </a:r>
@@ -11876,7 +11881,7 @@
                 <a:solidFill>
                   <a:schemeClr val="hlink"/>
                 </a:solidFill>
-                <a:hlinkClick r:id="rId8"/>
+                <a:hlinkClick r:id="rId9"/>
               </a:rPr>
               <a:t>Tableau</a:t>
             </a:r>
@@ -11925,10 +11930,11 @@
               <a:t> </a:t>
             </a:r>
             <a:r>
-              <a:rPr lang="en" sz="1500" u="none">
-                <a:solidFill>
-                  <a:srgbClr val="000000"/>
-                </a:solidFill>
+              <a:rPr lang="en" sz="1500" u="sng">
+                <a:solidFill>
+                  <a:schemeClr val="hlink"/>
+                </a:solidFill>
+                <a:hlinkClick r:id="rId10"/>
               </a:rPr>
               <a:t>Presentation</a:t>
             </a:r>
@@ -11961,7 +11967,7 @@
                 <a:solidFill>
                   <a:schemeClr val="hlink"/>
                 </a:solidFill>
-                <a:hlinkClick r:id="rId9"/>
+                <a:hlinkClick r:id="rId11"/>
               </a:rPr>
               <a:t>TravelTide ERD</a:t>
             </a:r>
@@ -11983,7 +11989,7 @@
                 <a:ea typeface="Poppins Medium"/>
                 <a:cs typeface="Poppins Medium"/>
                 <a:sym typeface="Poppins Medium"/>
-                <a:hlinkClick r:id="rId10"/>
+                <a:hlinkClick r:id="rId12"/>
               </a:rPr>
               <a:t>Github</a:t>
             </a:r>
@@ -12006,7 +12012,7 @@
           <p:nvPr/>
         </p:nvPicPr>
         <p:blipFill>
-          <a:blip r:embed="rId11">
+          <a:blip r:embed="rId13">
             <a:alphaModFix/>
           </a:blip>
           <a:stretch>
@@ -12332,7 +12338,7 @@
         </p:spPr>
         <p:txBody>
           <a:bodyPr anchorCtr="0" anchor="t" bIns="91425" lIns="91425" spcFirstLastPara="1" rIns="91425" wrap="square" tIns="91425">
-            <a:normAutofit fontScale="25000" lnSpcReduction="20000"/>
+            <a:normAutofit fontScale="25000" lnSpcReduction="10000"/>
           </a:bodyPr>
           <a:lstStyle/>
           <a:p>
@@ -12403,7 +12409,7 @@
                   <a:srgbClr val="41464D"/>
                 </a:solidFill>
               </a:rPr>
-              <a:t>Design and execute a fantastic personalized rewards program that keeps customers returning to the TravelTide platform. - To do so we need to segment customers based on their shopping behavior.</a:t>
+              <a:t>Design and execute a fantastic personalized rewards program that keeps customers returning to the TravelTide platform. - To do so we need to segment customers based on their travel behavior.</a:t>
             </a:r>
             <a:endParaRPr sz="5600"/>
           </a:p>
@@ -12936,7 +12942,23 @@
                   <a:schemeClr val="dk1"/>
                 </a:solidFill>
               </a:rPr>
-              <a:t>Key features considered for perk assignments such D</a:t>
+              <a:t>Key features considered for </a:t>
+            </a:r>
+            <a:r>
+              <a:rPr b="1" lang="en" sz="5600">
+                <a:solidFill>
+                  <a:schemeClr val="dk1"/>
+                </a:solidFill>
+              </a:rPr>
+              <a:t>segmentation</a:t>
+            </a:r>
+            <a:r>
+              <a:rPr b="1" lang="en" sz="5600">
+                <a:solidFill>
+                  <a:schemeClr val="dk1"/>
+                </a:solidFill>
+              </a:rPr>
+              <a:t> and perk assignments are D</a:t>
             </a:r>
             <a:r>
               <a:rPr b="1" lang="en" sz="5600">
@@ -13542,7 +13564,7 @@
                   <a:schemeClr val="dk1"/>
                 </a:solidFill>
               </a:rPr>
-              <a:t>Suggested by Elena, we include users with more than 7 sessions since Jan 4, 2023.This led to 5998 users eligible.</a:t>
+              <a:t>Suggested by Elena, we include users with more than 7 sessions since Jan 4, 2023.This led to 5998 eligible users.</a:t>
             </a:r>
             <a:endParaRPr>
               <a:solidFill>
@@ -13726,7 +13748,7 @@
         </p:blipFill>
         <p:spPr>
           <a:xfrm>
-            <a:off x="108650" y="1421675"/>
+            <a:off x="156975" y="1492338"/>
             <a:ext cx="4463350" cy="2270950"/>
           </a:xfrm>
           <a:prstGeom prst="rect">
@@ -14028,7 +14050,7 @@
         <p:spPr>
           <a:xfrm>
             <a:off x="2137100" y="837125"/>
-            <a:ext cx="6743400" cy="1734600"/>
+            <a:ext cx="6743400" cy="1818600"/>
           </a:xfrm>
           <a:prstGeom prst="rect">
             <a:avLst/>
@@ -14149,22 +14171,22 @@
                 <a:spcPts val="0"/>
               </a:spcAft>
               <a:buClr>
-                <a:schemeClr val="dk1"/>
+                <a:srgbClr val="434343"/>
               </a:buClr>
               <a:buSzPct val="100000"/>
               <a:buChar char="●"/>
             </a:pPr>
             <a:r>
-              <a:rPr lang="en" sz="5600">
-                <a:solidFill>
-                  <a:schemeClr val="dk1"/>
+              <a:rPr b="1" lang="en" sz="5600">
+                <a:solidFill>
+                  <a:srgbClr val="434343"/>
                 </a:solidFill>
               </a:rPr>
               <a:t>Given the extremely high cancellation rate and frequent long-distance travel, this segment values flexibility. Offering free cancellation would directly address their high cancellation tendencies and reduce booking hesitancy.</a:t>
             </a:r>
-            <a:endParaRPr sz="5600">
+            <a:endParaRPr b="1" sz="5600">
               <a:solidFill>
-                <a:schemeClr val="dk1"/>
+                <a:srgbClr val="434343"/>
               </a:solidFill>
             </a:endParaRPr>
           </a:p>
@@ -14390,22 +14412,22 @@
                 <a:spcPts val="0"/>
               </a:spcAft>
               <a:buClr>
-                <a:schemeClr val="dk1"/>
+                <a:srgbClr val="434343"/>
               </a:buClr>
               <a:buSzPct val="100000"/>
               <a:buChar char="●"/>
             </a:pPr>
             <a:r>
-              <a:rPr lang="en" sz="5600">
-                <a:solidFill>
-                  <a:schemeClr val="dk1"/>
+              <a:rPr b="1" lang="en" sz="5600">
+                <a:solidFill>
+                  <a:srgbClr val="434343"/>
                 </a:solidFill>
               </a:rPr>
               <a:t>This segment is fairly balanced in spending across flights and hotels, with a moderate booking rate. Offering exclusive discounts can further incentivize bookings, especially since they already respond to discounts. They are price-conscious but don’t require flexibility like free cancellation.</a:t>
             </a:r>
-            <a:endParaRPr sz="5600">
+            <a:endParaRPr b="1" sz="5600">
               <a:solidFill>
-                <a:schemeClr val="dk1"/>
+                <a:srgbClr val="434343"/>
               </a:solidFill>
             </a:endParaRPr>
           </a:p>
@@ -14518,7 +14540,7 @@
         </p:blipFill>
         <p:spPr>
           <a:xfrm>
-            <a:off x="152400" y="2764929"/>
+            <a:off x="156975" y="2985379"/>
             <a:ext cx="1832300" cy="1244900"/>
           </a:xfrm>
           <a:prstGeom prst="rect">
@@ -14778,22 +14800,22 @@
                 <a:spcPts val="0"/>
               </a:spcAft>
               <a:buClr>
-                <a:schemeClr val="dk1"/>
+                <a:srgbClr val="434343"/>
               </a:buClr>
               <a:buSzPct val="100000"/>
               <a:buChar char="●"/>
             </a:pPr>
             <a:r>
-              <a:rPr lang="en" sz="5600">
-                <a:solidFill>
-                  <a:schemeClr val="dk1"/>
+              <a:rPr b="1" lang="en" sz="5600">
+                <a:solidFill>
+                  <a:srgbClr val="434343"/>
                 </a:solidFill>
               </a:rPr>
               <a:t>Given their significant hotel expenditure and low cancellation rate, offering "One Free Hotel Night with Flight" would be highly attractive and would entice them to also book flights through the platform, increasing their engagement and possibly cross-selling flight services., enhancing overall engagement and satisfaction.</a:t>
             </a:r>
-            <a:endParaRPr sz="5600">
+            <a:endParaRPr b="1" sz="5600">
               <a:solidFill>
-                <a:schemeClr val="dk1"/>
+                <a:srgbClr val="434343"/>
               </a:solidFill>
             </a:endParaRPr>
           </a:p>
@@ -15082,22 +15104,22 @@
                 <a:spcPts val="0"/>
               </a:spcAft>
               <a:buClr>
-                <a:schemeClr val="dk1"/>
+                <a:srgbClr val="434343"/>
               </a:buClr>
               <a:buSzPct val="100000"/>
               <a:buChar char="●"/>
             </a:pPr>
             <a:r>
-              <a:rPr lang="en" sz="5600">
-                <a:solidFill>
-                  <a:schemeClr val="dk1"/>
+              <a:rPr b="1" lang="en" sz="5600">
+                <a:solidFill>
+                  <a:srgbClr val="434343"/>
                 </a:solidFill>
               </a:rPr>
               <a:t>As the largest and most active segment with frequent flights, offering a free checked bag can enhance their travel experience, encouraging continued loyalty and potentially increasing flight bookings.</a:t>
             </a:r>
-            <a:endParaRPr sz="5600">
+            <a:endParaRPr b="1" sz="5600">
               <a:solidFill>
-                <a:schemeClr val="dk1"/>
+                <a:srgbClr val="434343"/>
               </a:solidFill>
             </a:endParaRPr>
           </a:p>
@@ -15359,7 +15381,7 @@
         <p:spPr>
           <a:xfrm>
             <a:off x="2137100" y="797500"/>
-            <a:ext cx="6743400" cy="2194200"/>
+            <a:ext cx="6743400" cy="2414700"/>
           </a:xfrm>
           <a:prstGeom prst="rect">
             <a:avLst/>
@@ -15540,22 +15562,22 @@
                 <a:spcPts val="0"/>
               </a:spcAft>
               <a:buClr>
-                <a:schemeClr val="dk1"/>
+                <a:srgbClr val="434343"/>
               </a:buClr>
               <a:buSzPct val="100000"/>
               <a:buChar char="●"/>
             </a:pPr>
             <a:r>
-              <a:rPr lang="en" sz="5600">
-                <a:solidFill>
-                  <a:schemeClr val="dk1"/>
+              <a:rPr b="1" lang="en" sz="5600">
+                <a:solidFill>
+                  <a:srgbClr val="434343"/>
                 </a:solidFill>
               </a:rPr>
-              <a:t>This segment spends less and books less frequently. Given their balanced travel behavior offering a free hotel meal would add value to their bookings, encouraging them to engage more without requiring them to spend a large amount.</a:t>
-            </a:r>
-            <a:endParaRPr sz="5600">
+              <a:t>This segment spends less and books less frequently. Given their balanced travel behavior offering a free hotel meal would add value to their bookings, encouraging them to engage more without requiring them to spend a large amount. The current dreamers could be our future potential customers.</a:t>
+            </a:r>
+            <a:endParaRPr b="1" sz="5600">
               <a:solidFill>
-                <a:schemeClr val="dk1"/>
+                <a:srgbClr val="434343"/>
               </a:solidFill>
             </a:endParaRPr>
           </a:p>
@@ -15742,14 +15764,14 @@
             <a:r>
               <a:rPr b="1" lang="en" sz="7200" u="sng">
                 <a:solidFill>
-                  <a:schemeClr val="dk1"/>
+                  <a:srgbClr val="1155CC"/>
                 </a:solidFill>
               </a:rPr>
               <a:t>Benefits</a:t>
             </a:r>
             <a:endParaRPr b="1" sz="7200" u="sng">
               <a:solidFill>
-                <a:schemeClr val="dk1"/>
+                <a:srgbClr val="1155CC"/>
               </a:solidFill>
             </a:endParaRPr>
           </a:p>
@@ -15762,7 +15784,7 @@
                 <a:spcPts val="0"/>
               </a:spcAft>
               <a:buClr>
-                <a:schemeClr val="dk1"/>
+                <a:srgbClr val="1155CC"/>
               </a:buClr>
               <a:buSzPct val="100000"/>
               <a:buChar char="●"/>
@@ -15770,14 +15792,14 @@
             <a:r>
               <a:rPr lang="en" sz="5673">
                 <a:solidFill>
-                  <a:schemeClr val="dk1"/>
+                  <a:srgbClr val="1155CC"/>
                 </a:solidFill>
               </a:rPr>
               <a:t>In summary, the perks have been assigned based on each group's specific travel behaviours, spending patterns, and potential needs for flexibility or additional benefits.</a:t>
             </a:r>
             <a:endParaRPr sz="5673">
               <a:solidFill>
-                <a:schemeClr val="dk1"/>
+                <a:srgbClr val="1155CC"/>
               </a:solidFill>
             </a:endParaRPr>
           </a:p>
@@ -15790,7 +15812,7 @@
                 <a:spcPts val="0"/>
               </a:spcAft>
               <a:buClr>
-                <a:schemeClr val="dk1"/>
+                <a:srgbClr val="1155CC"/>
               </a:buClr>
               <a:buSzPct val="100000"/>
               <a:buChar char="●"/>
@@ -15798,14 +15820,14 @@
             <a:r>
               <a:rPr lang="en" sz="5673">
                 <a:solidFill>
-                  <a:schemeClr val="dk1"/>
+                  <a:srgbClr val="1155CC"/>
                 </a:solidFill>
               </a:rPr>
               <a:t>Directly addresses current customer behaviour’s and preferences.</a:t>
             </a:r>
             <a:endParaRPr sz="5673">
               <a:solidFill>
-                <a:schemeClr val="dk1"/>
+                <a:srgbClr val="1155CC"/>
               </a:solidFill>
             </a:endParaRPr>
           </a:p>
@@ -15818,7 +15840,7 @@
                 <a:spcPts val="0"/>
               </a:spcAft>
               <a:buClr>
-                <a:schemeClr val="dk1"/>
+                <a:srgbClr val="1155CC"/>
               </a:buClr>
               <a:buSzPct val="100000"/>
               <a:buChar char="●"/>
@@ -15826,14 +15848,14 @@
             <a:r>
               <a:rPr lang="en" sz="5673">
                 <a:solidFill>
-                  <a:schemeClr val="dk1"/>
+                  <a:srgbClr val="1155CC"/>
                 </a:solidFill>
               </a:rPr>
               <a:t>Enhances customer satisfaction by offering relevant perks and loyalty within each segment.</a:t>
             </a:r>
             <a:endParaRPr sz="5673">
               <a:solidFill>
-                <a:schemeClr val="dk1"/>
+                <a:srgbClr val="1155CC"/>
               </a:solidFill>
             </a:endParaRPr>
           </a:p>
@@ -15846,7 +15868,7 @@
                 <a:spcPts val="0"/>
               </a:spcAft>
               <a:buClr>
-                <a:schemeClr val="dk1"/>
+                <a:srgbClr val="1155CC"/>
               </a:buClr>
               <a:buSzPct val="100000"/>
               <a:buChar char="●"/>
@@ -15854,14 +15876,14 @@
             <a:r>
               <a:rPr lang="en" sz="5673">
                 <a:solidFill>
-                  <a:schemeClr val="dk1"/>
+                  <a:srgbClr val="1155CC"/>
                 </a:solidFill>
               </a:rPr>
               <a:t>Encourages continued engagement based on existing usage patterns.</a:t>
             </a:r>
             <a:endParaRPr sz="5673">
               <a:solidFill>
-                <a:schemeClr val="dk1"/>
+                <a:srgbClr val="1155CC"/>
               </a:solidFill>
             </a:endParaRPr>
           </a:p>

--- a/TravelTide Loyalty Program Presentation.pptx
+++ b/TravelTide Loyalty Program Presentation.pptx
@@ -13838,7 +13838,7 @@
                   <a:srgbClr val="41464D"/>
                 </a:solidFill>
               </a:rPr>
-              <a:t>Perk Distribution Between Users</a:t>
+              <a:t>Perk Distribution among Customers</a:t>
             </a:r>
             <a:endParaRPr b="1" sz="100"/>
           </a:p>
@@ -14097,8 +14097,16 @@
               <a:buNone/>
             </a:pPr>
             <a:r>
+              <a:rPr b="1" lang="en" sz="6400" u="sng">
+                <a:solidFill>
+                  <a:srgbClr val="000000"/>
+                </a:solidFill>
+              </a:rPr>
+              <a:t>Flexible Flyers</a:t>
+            </a:r>
+            <a:r>
               <a:rPr b="1" lang="en" sz="6400" u="sng"/>
-              <a:t>Flexible Flyers: </a:t>
+              <a:t>: </a:t>
             </a:r>
             <a:r>
               <a:rPr b="1" lang="en" sz="6400" u="sng"/>
@@ -14350,8 +14358,16 @@
               <a:buNone/>
             </a:pPr>
             <a:r>
+              <a:rPr b="1" lang="en" sz="6400" u="sng">
+                <a:solidFill>
+                  <a:srgbClr val="000000"/>
+                </a:solidFill>
+              </a:rPr>
+              <a:t>Bargain Hunters</a:t>
+            </a:r>
+            <a:r>
               <a:rPr b="1" lang="en" sz="6400" u="sng"/>
-              <a:t>Bargain Hunters: Exclusive Discounts Perk </a:t>
+              <a:t>: Exclusive Discounts Perk </a:t>
             </a:r>
             <a:r>
               <a:rPr b="1" lang="en" sz="6400" u="sng"/>
@@ -14694,12 +14710,24 @@
               <a:buNone/>
             </a:pPr>
             <a:r>
+              <a:rPr b="1" lang="en" sz="6400" u="sng">
+                <a:solidFill>
+                  <a:srgbClr val="000000"/>
+                </a:solidFill>
+              </a:rPr>
+              <a:t>Elite Travellers</a:t>
+            </a:r>
+            <a:r>
+              <a:rPr b="1" lang="en" sz="6400" u="sng">
+                <a:solidFill>
+                  <a:srgbClr val="000000"/>
+                </a:solidFill>
+              </a:rPr>
+              <a:t>:</a:t>
+            </a:r>
+            <a:r>
               <a:rPr b="1" lang="en" sz="6400" u="sng"/>
-              <a:t>Elite Travellers</a:t>
-            </a:r>
-            <a:r>
-              <a:rPr b="1" lang="en" sz="6400" u="sng"/>
-              <a:t>: Free Hotel Night With Flight </a:t>
+              <a:t> Free Hotel Night With Flight </a:t>
             </a:r>
             <a:r>
               <a:rPr b="1" lang="en" sz="6400" u="sng"/>
@@ -14998,7 +15026,11 @@
               <a:buNone/>
             </a:pPr>
             <a:r>
-              <a:rPr b="1" lang="en" sz="6400" u="sng"/>
+              <a:rPr b="1" lang="en" sz="6400" u="sng">
+                <a:solidFill>
+                  <a:srgbClr val="000000"/>
+                </a:solidFill>
+              </a:rPr>
               <a:t>Family Travellers</a:t>
             </a:r>
             <a:r>
@@ -15428,7 +15460,11 @@
               <a:buNone/>
             </a:pPr>
             <a:r>
-              <a:rPr b="1" lang="en" sz="6400" u="sng"/>
+              <a:rPr b="1" lang="en" sz="6400" u="sng">
+                <a:solidFill>
+                  <a:srgbClr val="000000"/>
+                </a:solidFill>
+              </a:rPr>
               <a:t>Dreamers &amp; Budget Travellers</a:t>
             </a:r>
             <a:r>
@@ -16112,6 +16148,285 @@
 </file>
 
 <file path=ppt/theme/theme1.xml><?xml version="1.0" encoding="utf-8"?>
+<a:theme xmlns:a="http://schemas.openxmlformats.org/drawingml/2006/main" xmlns:r="http://schemas.openxmlformats.org/officeDocument/2006/relationships" name="Simple Light">
+  <a:themeElements>
+    <a:clrScheme name="Simple Light">
+      <a:dk1>
+        <a:srgbClr val="000000"/>
+      </a:dk1>
+      <a:lt1>
+        <a:srgbClr val="FFFFFF"/>
+      </a:lt1>
+      <a:dk2>
+        <a:srgbClr val="595959"/>
+      </a:dk2>
+      <a:lt2>
+        <a:srgbClr val="EEEEEE"/>
+      </a:lt2>
+      <a:accent1>
+        <a:srgbClr val="4285F4"/>
+      </a:accent1>
+      <a:accent2>
+        <a:srgbClr val="212121"/>
+      </a:accent2>
+      <a:accent3>
+        <a:srgbClr val="78909C"/>
+      </a:accent3>
+      <a:accent4>
+        <a:srgbClr val="FFAB40"/>
+      </a:accent4>
+      <a:accent5>
+        <a:srgbClr val="0097A7"/>
+      </a:accent5>
+      <a:accent6>
+        <a:srgbClr val="EEFF41"/>
+      </a:accent6>
+      <a:hlink>
+        <a:srgbClr val="0097A7"/>
+      </a:hlink>
+      <a:folHlink>
+        <a:srgbClr val="0097A7"/>
+      </a:folHlink>
+    </a:clrScheme>
+    <a:fontScheme name="Office">
+      <a:majorFont>
+        <a:latin typeface="Arial"/>
+        <a:ea typeface=""/>
+        <a:cs typeface=""/>
+        <a:font script="Jpan" typeface="ＭＳ Ｐゴシック"/>
+        <a:font script="Hang" typeface="맑은 고딕"/>
+        <a:font script="Hans" typeface="宋体"/>
+        <a:font script="Hant" typeface="新細明體"/>
+        <a:font script="Arab" typeface="Times New Roman"/>
+        <a:font script="Hebr" typeface="Times New Roman"/>
+        <a:font script="Thai" typeface="Angsana New"/>
+        <a:font script="Ethi" typeface="Nyala"/>
+        <a:font script="Beng" typeface="Vrinda"/>
+        <a:font script="Gujr" typeface="Shruti"/>
+        <a:font script="Khmr" typeface="MoolBoran"/>
+        <a:font script="Knda" typeface="Tunga"/>
+        <a:font script="Guru" typeface="Raavi"/>
+        <a:font script="Cans" typeface="Euphemia"/>
+        <a:font script="Cher" typeface="Plantagenet Cherokee"/>
+        <a:font script="Yiii" typeface="Microsoft Yi Baiti"/>
+        <a:font script="Tibt" typeface="Microsoft Himalaya"/>
+        <a:font script="Thaa" typeface="MV Boli"/>
+        <a:font script="Deva" typeface="Mangal"/>
+        <a:font script="Telu" typeface="Gautami"/>
+        <a:font script="Taml" typeface="Latha"/>
+        <a:font script="Syrc" typeface="Estrangelo Edessa"/>
+        <a:font script="Orya" typeface="Kalinga"/>
+        <a:font script="Mlym" typeface="Kartika"/>
+        <a:font script="Laoo" typeface="DokChampa"/>
+        <a:font script="Sinh" typeface="Iskoola Pota"/>
+        <a:font script="Mong" typeface="Mongolian Baiti"/>
+        <a:font script="Viet" typeface="Times New Roman"/>
+        <a:font script="Uigh" typeface="Microsoft Uighur"/>
+        <a:font script="Geor" typeface="Sylfaen"/>
+      </a:majorFont>
+      <a:minorFont>
+        <a:latin typeface="Arial"/>
+        <a:ea typeface=""/>
+        <a:cs typeface=""/>
+        <a:font script="Jpan" typeface="ＭＳ Ｐゴシック"/>
+        <a:font script="Hang" typeface="맑은 고딕"/>
+        <a:font script="Hans" typeface="宋体"/>
+        <a:font script="Hant" typeface="新細明體"/>
+        <a:font script="Arab" typeface="Arial"/>
+        <a:font script="Hebr" typeface="Arial"/>
+        <a:font script="Thai" typeface="Cordia New"/>
+        <a:font script="Ethi" typeface="Nyala"/>
+        <a:font script="Beng" typeface="Vrinda"/>
+        <a:font script="Gujr" typeface="Shruti"/>
+        <a:font script="Khmr" typeface="DaunPenh"/>
+        <a:font script="Knda" typeface="Tunga"/>
+        <a:font script="Guru" typeface="Raavi"/>
+        <a:font script="Cans" typeface="Euphemia"/>
+        <a:font script="Cher" typeface="Plantagenet Cherokee"/>
+        <a:font script="Yiii" typeface="Microsoft Yi Baiti"/>
+        <a:font script="Tibt" typeface="Microsoft Himalaya"/>
+        <a:font script="Thaa" typeface="MV Boli"/>
+        <a:font script="Deva" typeface="Mangal"/>
+        <a:font script="Telu" typeface="Gautami"/>
+        <a:font script="Taml" typeface="Latha"/>
+        <a:font script="Syrc" typeface="Estrangelo Edessa"/>
+        <a:font script="Orya" typeface="Kalinga"/>
+        <a:font script="Mlym" typeface="Kartika"/>
+        <a:font script="Laoo" typeface="DokChampa"/>
+        <a:font script="Sinh" typeface="Iskoola Pota"/>
+        <a:font script="Mong" typeface="Mongolian Baiti"/>
+        <a:font script="Viet" typeface="Arial"/>
+        <a:font script="Uigh" typeface="Microsoft Uighur"/>
+        <a:font script="Geor" typeface="Sylfaen"/>
+      </a:minorFont>
+    </a:fontScheme>
+    <a:fmtScheme name="Office">
+      <a:fillStyleLst>
+        <a:solidFill>
+          <a:schemeClr val="phClr"/>
+        </a:solidFill>
+        <a:gradFill rotWithShape="1">
+          <a:gsLst>
+            <a:gs pos="0">
+              <a:schemeClr val="phClr">
+                <a:tint val="50000"/>
+                <a:satMod val="300000"/>
+              </a:schemeClr>
+            </a:gs>
+            <a:gs pos="35000">
+              <a:schemeClr val="phClr">
+                <a:tint val="37000"/>
+                <a:satMod val="300000"/>
+              </a:schemeClr>
+            </a:gs>
+            <a:gs pos="100000">
+              <a:schemeClr val="phClr">
+                <a:tint val="15000"/>
+                <a:satMod val="350000"/>
+              </a:schemeClr>
+            </a:gs>
+          </a:gsLst>
+          <a:lin ang="16200000" scaled="1"/>
+        </a:gradFill>
+        <a:gradFill rotWithShape="1">
+          <a:gsLst>
+            <a:gs pos="0">
+              <a:schemeClr val="phClr">
+                <a:tint val="100000"/>
+                <a:shade val="100000"/>
+                <a:satMod val="130000"/>
+              </a:schemeClr>
+            </a:gs>
+            <a:gs pos="100000">
+              <a:schemeClr val="phClr">
+                <a:tint val="50000"/>
+                <a:shade val="100000"/>
+                <a:satMod val="350000"/>
+              </a:schemeClr>
+            </a:gs>
+          </a:gsLst>
+          <a:lin ang="16200000" scaled="0"/>
+        </a:gradFill>
+      </a:fillStyleLst>
+      <a:lnStyleLst>
+        <a:ln w="9525" cap="flat" cmpd="sng" algn="ctr">
+          <a:solidFill>
+            <a:schemeClr val="phClr">
+              <a:shade val="95000"/>
+              <a:satMod val="105000"/>
+            </a:schemeClr>
+          </a:solidFill>
+          <a:prstDash val="solid"/>
+        </a:ln>
+        <a:ln w="25400" cap="flat" cmpd="sng" algn="ctr">
+          <a:solidFill>
+            <a:schemeClr val="phClr"/>
+          </a:solidFill>
+          <a:prstDash val="solid"/>
+        </a:ln>
+        <a:ln w="38100" cap="flat" cmpd="sng" algn="ctr">
+          <a:solidFill>
+            <a:schemeClr val="phClr"/>
+          </a:solidFill>
+          <a:prstDash val="solid"/>
+        </a:ln>
+      </a:lnStyleLst>
+      <a:effectStyleLst>
+        <a:effectStyle>
+          <a:effectLst>
+            <a:outerShdw blurRad="40000" dist="20000" dir="5400000" rotWithShape="0">
+              <a:srgbClr val="000000">
+                <a:alpha val="38000"/>
+              </a:srgbClr>
+            </a:outerShdw>
+          </a:effectLst>
+        </a:effectStyle>
+        <a:effectStyle>
+          <a:effectLst>
+            <a:outerShdw blurRad="40000" dist="23000" dir="5400000" rotWithShape="0">
+              <a:srgbClr val="000000">
+                <a:alpha val="35000"/>
+              </a:srgbClr>
+            </a:outerShdw>
+          </a:effectLst>
+        </a:effectStyle>
+        <a:effectStyle>
+          <a:effectLst>
+            <a:outerShdw blurRad="40000" dist="23000" dir="5400000" rotWithShape="0">
+              <a:srgbClr val="000000">
+                <a:alpha val="35000"/>
+              </a:srgbClr>
+            </a:outerShdw>
+          </a:effectLst>
+          <a:scene3d>
+            <a:camera prst="orthographicFront">
+              <a:rot lat="0" lon="0" rev="0"/>
+            </a:camera>
+            <a:lightRig rig="threePt" dir="t">
+              <a:rot lat="0" lon="0" rev="1200000"/>
+            </a:lightRig>
+          </a:scene3d>
+          <a:sp3d>
+            <a:bevelT w="63500" h="25400"/>
+          </a:sp3d>
+        </a:effectStyle>
+      </a:effectStyleLst>
+      <a:bgFillStyleLst>
+        <a:solidFill>
+          <a:schemeClr val="phClr"/>
+        </a:solidFill>
+        <a:gradFill rotWithShape="1">
+          <a:gsLst>
+            <a:gs pos="0">
+              <a:schemeClr val="phClr">
+                <a:tint val="40000"/>
+                <a:satMod val="350000"/>
+              </a:schemeClr>
+            </a:gs>
+            <a:gs pos="40000">
+              <a:schemeClr val="phClr">
+                <a:tint val="45000"/>
+                <a:shade val="99000"/>
+                <a:satMod val="350000"/>
+              </a:schemeClr>
+            </a:gs>
+            <a:gs pos="100000">
+              <a:schemeClr val="phClr">
+                <a:shade val="20000"/>
+                <a:satMod val="255000"/>
+              </a:schemeClr>
+            </a:gs>
+          </a:gsLst>
+          <a:path path="circle">
+            <a:fillToRect l="50000" t="-80000" r="50000" b="180000"/>
+          </a:path>
+        </a:gradFill>
+        <a:gradFill rotWithShape="1">
+          <a:gsLst>
+            <a:gs pos="0">
+              <a:schemeClr val="phClr">
+                <a:tint val="80000"/>
+                <a:satMod val="300000"/>
+              </a:schemeClr>
+            </a:gs>
+            <a:gs pos="100000">
+              <a:schemeClr val="phClr">
+                <a:shade val="30000"/>
+                <a:satMod val="200000"/>
+              </a:schemeClr>
+            </a:gs>
+          </a:gsLst>
+          <a:path path="circle">
+            <a:fillToRect l="50000" t="50000" r="50000" b="50000"/>
+          </a:path>
+        </a:gradFill>
+      </a:bgFillStyleLst>
+    </a:fmtScheme>
+  </a:themeElements>
+</a:theme>
+</file>
+
+<file path=ppt/theme/theme2.xml><?xml version="1.0" encoding="utf-8"?>
 <a:theme xmlns:a="http://schemas.openxmlformats.org/drawingml/2006/main" xmlns:r="http://schemas.openxmlformats.org/officeDocument/2006/relationships">
   <a:themeElements>
     <a:clrScheme name="Default">
@@ -16388,283 +16703,4 @@
     </a:fmtScheme>
   </a:themeElements>
 </a:theme>
-</file>
-
-<file path=ppt/theme/theme2.xml><?xml version="1.0" encoding="utf-8"?>
-<a:theme xmlns:a="http://schemas.openxmlformats.org/drawingml/2006/main" xmlns:r="http://schemas.openxmlformats.org/officeDocument/2006/relationships" name="Simple Light">
-  <a:themeElements>
-    <a:clrScheme name="Simple Light">
-      <a:dk1>
-        <a:srgbClr val="000000"/>
-      </a:dk1>
-      <a:lt1>
-        <a:srgbClr val="FFFFFF"/>
-      </a:lt1>
-      <a:dk2>
-        <a:srgbClr val="595959"/>
-      </a:dk2>
-      <a:lt2>
-        <a:srgbClr val="EEEEEE"/>
-      </a:lt2>
-      <a:accent1>
-        <a:srgbClr val="4285F4"/>
-      </a:accent1>
-      <a:accent2>
-        <a:srgbClr val="212121"/>
-      </a:accent2>
-      <a:accent3>
-        <a:srgbClr val="78909C"/>
-      </a:accent3>
-      <a:accent4>
-        <a:srgbClr val="FFAB40"/>
-      </a:accent4>
-      <a:accent5>
-        <a:srgbClr val="0097A7"/>
-      </a:accent5>
-      <a:accent6>
-        <a:srgbClr val="EEFF41"/>
-      </a:accent6>
-      <a:hlink>
-        <a:srgbClr val="0097A7"/>
-      </a:hlink>
-      <a:folHlink>
-        <a:srgbClr val="0097A7"/>
-      </a:folHlink>
-    </a:clrScheme>
-    <a:fontScheme name="Office">
-      <a:majorFont>
-        <a:latin typeface="Arial"/>
-        <a:ea typeface=""/>
-        <a:cs typeface=""/>
-        <a:font script="Jpan" typeface="ＭＳ Ｐゴシック"/>
-        <a:font script="Hang" typeface="맑은 고딕"/>
-        <a:font script="Hans" typeface="宋体"/>
-        <a:font script="Hant" typeface="新細明體"/>
-        <a:font script="Arab" typeface="Times New Roman"/>
-        <a:font script="Hebr" typeface="Times New Roman"/>
-        <a:font script="Thai" typeface="Angsana New"/>
-        <a:font script="Ethi" typeface="Nyala"/>
-        <a:font script="Beng" typeface="Vrinda"/>
-        <a:font script="Gujr" typeface="Shruti"/>
-        <a:font script="Khmr" typeface="MoolBoran"/>
-        <a:font script="Knda" typeface="Tunga"/>
-        <a:font script="Guru" typeface="Raavi"/>
-        <a:font script="Cans" typeface="Euphemia"/>
-        <a:font script="Cher" typeface="Plantagenet Cherokee"/>
-        <a:font script="Yiii" typeface="Microsoft Yi Baiti"/>
-        <a:font script="Tibt" typeface="Microsoft Himalaya"/>
-        <a:font script="Thaa" typeface="MV Boli"/>
-        <a:font script="Deva" typeface="Mangal"/>
-        <a:font script="Telu" typeface="Gautami"/>
-        <a:font script="Taml" typeface="Latha"/>
-        <a:font script="Syrc" typeface="Estrangelo Edessa"/>
-        <a:font script="Orya" typeface="Kalinga"/>
-        <a:font script="Mlym" typeface="Kartika"/>
-        <a:font script="Laoo" typeface="DokChampa"/>
-        <a:font script="Sinh" typeface="Iskoola Pota"/>
-        <a:font script="Mong" typeface="Mongolian Baiti"/>
-        <a:font script="Viet" typeface="Times New Roman"/>
-        <a:font script="Uigh" typeface="Microsoft Uighur"/>
-        <a:font script="Geor" typeface="Sylfaen"/>
-      </a:majorFont>
-      <a:minorFont>
-        <a:latin typeface="Arial"/>
-        <a:ea typeface=""/>
-        <a:cs typeface=""/>
-        <a:font script="Jpan" typeface="ＭＳ Ｐゴシック"/>
-        <a:font script="Hang" typeface="맑은 고딕"/>
-        <a:font script="Hans" typeface="宋体"/>
-        <a:font script="Hant" typeface="新細明體"/>
-        <a:font script="Arab" typeface="Arial"/>
-        <a:font script="Hebr" typeface="Arial"/>
-        <a:font script="Thai" typeface="Cordia New"/>
-        <a:font script="Ethi" typeface="Nyala"/>
-        <a:font script="Beng" typeface="Vrinda"/>
-        <a:font script="Gujr" typeface="Shruti"/>
-        <a:font script="Khmr" typeface="DaunPenh"/>
-        <a:font script="Knda" typeface="Tunga"/>
-        <a:font script="Guru" typeface="Raavi"/>
-        <a:font script="Cans" typeface="Euphemia"/>
-        <a:font script="Cher" typeface="Plantagenet Cherokee"/>
-        <a:font script="Yiii" typeface="Microsoft Yi Baiti"/>
-        <a:font script="Tibt" typeface="Microsoft Himalaya"/>
-        <a:font script="Thaa" typeface="MV Boli"/>
-        <a:font script="Deva" typeface="Mangal"/>
-        <a:font script="Telu" typeface="Gautami"/>
-        <a:font script="Taml" typeface="Latha"/>
-        <a:font script="Syrc" typeface="Estrangelo Edessa"/>
-        <a:font script="Orya" typeface="Kalinga"/>
-        <a:font script="Mlym" typeface="Kartika"/>
-        <a:font script="Laoo" typeface="DokChampa"/>
-        <a:font script="Sinh" typeface="Iskoola Pota"/>
-        <a:font script="Mong" typeface="Mongolian Baiti"/>
-        <a:font script="Viet" typeface="Arial"/>
-        <a:font script="Uigh" typeface="Microsoft Uighur"/>
-        <a:font script="Geor" typeface="Sylfaen"/>
-      </a:minorFont>
-    </a:fontScheme>
-    <a:fmtScheme name="Office">
-      <a:fillStyleLst>
-        <a:solidFill>
-          <a:schemeClr val="phClr"/>
-        </a:solidFill>
-        <a:gradFill rotWithShape="1">
-          <a:gsLst>
-            <a:gs pos="0">
-              <a:schemeClr val="phClr">
-                <a:tint val="50000"/>
-                <a:satMod val="300000"/>
-              </a:schemeClr>
-            </a:gs>
-            <a:gs pos="35000">
-              <a:schemeClr val="phClr">
-                <a:tint val="37000"/>
-                <a:satMod val="300000"/>
-              </a:schemeClr>
-            </a:gs>
-            <a:gs pos="100000">
-              <a:schemeClr val="phClr">
-                <a:tint val="15000"/>
-                <a:satMod val="350000"/>
-              </a:schemeClr>
-            </a:gs>
-          </a:gsLst>
-          <a:lin ang="16200000" scaled="1"/>
-        </a:gradFill>
-        <a:gradFill rotWithShape="1">
-          <a:gsLst>
-            <a:gs pos="0">
-              <a:schemeClr val="phClr">
-                <a:tint val="100000"/>
-                <a:shade val="100000"/>
-                <a:satMod val="130000"/>
-              </a:schemeClr>
-            </a:gs>
-            <a:gs pos="100000">
-              <a:schemeClr val="phClr">
-                <a:tint val="50000"/>
-                <a:shade val="100000"/>
-                <a:satMod val="350000"/>
-              </a:schemeClr>
-            </a:gs>
-          </a:gsLst>
-          <a:lin ang="16200000" scaled="0"/>
-        </a:gradFill>
-      </a:fillStyleLst>
-      <a:lnStyleLst>
-        <a:ln w="9525" cap="flat" cmpd="sng" algn="ctr">
-          <a:solidFill>
-            <a:schemeClr val="phClr">
-              <a:shade val="95000"/>
-              <a:satMod val="105000"/>
-            </a:schemeClr>
-          </a:solidFill>
-          <a:prstDash val="solid"/>
-        </a:ln>
-        <a:ln w="25400" cap="flat" cmpd="sng" algn="ctr">
-          <a:solidFill>
-            <a:schemeClr val="phClr"/>
-          </a:solidFill>
-          <a:prstDash val="solid"/>
-        </a:ln>
-        <a:ln w="38100" cap="flat" cmpd="sng" algn="ctr">
-          <a:solidFill>
-            <a:schemeClr val="phClr"/>
-          </a:solidFill>
-          <a:prstDash val="solid"/>
-        </a:ln>
-      </a:lnStyleLst>
-      <a:effectStyleLst>
-        <a:effectStyle>
-          <a:effectLst>
-            <a:outerShdw blurRad="40000" dist="20000" dir="5400000" rotWithShape="0">
-              <a:srgbClr val="000000">
-                <a:alpha val="38000"/>
-              </a:srgbClr>
-            </a:outerShdw>
-          </a:effectLst>
-        </a:effectStyle>
-        <a:effectStyle>
-          <a:effectLst>
-            <a:outerShdw blurRad="40000" dist="23000" dir="5400000" rotWithShape="0">
-              <a:srgbClr val="000000">
-                <a:alpha val="35000"/>
-              </a:srgbClr>
-            </a:outerShdw>
-          </a:effectLst>
-        </a:effectStyle>
-        <a:effectStyle>
-          <a:effectLst>
-            <a:outerShdw blurRad="40000" dist="23000" dir="5400000" rotWithShape="0">
-              <a:srgbClr val="000000">
-                <a:alpha val="35000"/>
-              </a:srgbClr>
-            </a:outerShdw>
-          </a:effectLst>
-          <a:scene3d>
-            <a:camera prst="orthographicFront">
-              <a:rot lat="0" lon="0" rev="0"/>
-            </a:camera>
-            <a:lightRig rig="threePt" dir="t">
-              <a:rot lat="0" lon="0" rev="1200000"/>
-            </a:lightRig>
-          </a:scene3d>
-          <a:sp3d>
-            <a:bevelT w="63500" h="25400"/>
-          </a:sp3d>
-        </a:effectStyle>
-      </a:effectStyleLst>
-      <a:bgFillStyleLst>
-        <a:solidFill>
-          <a:schemeClr val="phClr"/>
-        </a:solidFill>
-        <a:gradFill rotWithShape="1">
-          <a:gsLst>
-            <a:gs pos="0">
-              <a:schemeClr val="phClr">
-                <a:tint val="40000"/>
-                <a:satMod val="350000"/>
-              </a:schemeClr>
-            </a:gs>
-            <a:gs pos="40000">
-              <a:schemeClr val="phClr">
-                <a:tint val="45000"/>
-                <a:shade val="99000"/>
-                <a:satMod val="350000"/>
-              </a:schemeClr>
-            </a:gs>
-            <a:gs pos="100000">
-              <a:schemeClr val="phClr">
-                <a:shade val="20000"/>
-                <a:satMod val="255000"/>
-              </a:schemeClr>
-            </a:gs>
-          </a:gsLst>
-          <a:path path="circle">
-            <a:fillToRect l="50000" t="-80000" r="50000" b="180000"/>
-          </a:path>
-        </a:gradFill>
-        <a:gradFill rotWithShape="1">
-          <a:gsLst>
-            <a:gs pos="0">
-              <a:schemeClr val="phClr">
-                <a:tint val="80000"/>
-                <a:satMod val="300000"/>
-              </a:schemeClr>
-            </a:gs>
-            <a:gs pos="100000">
-              <a:schemeClr val="phClr">
-                <a:shade val="30000"/>
-                <a:satMod val="200000"/>
-              </a:schemeClr>
-            </a:gs>
-          </a:gsLst>
-          <a:path path="circle">
-            <a:fillToRect l="50000" t="50000" r="50000" b="50000"/>
-          </a:path>
-        </a:gradFill>
-      </a:bgFillStyleLst>
-    </a:fmtScheme>
-  </a:themeElements>
-</a:theme>
 </file>